--- a/presentation.pptx
+++ b/presentation.pptx
@@ -915,11 +915,7 @@
               </a:spcAft>
               <a:buNone/>
             </a:pPr>
-            <a:r>
-              <a:rPr lang="en-GB"/>
-              <a:t>Motivation: on social media, billions of pictures are shared every day. And due to the volume of photos, filtering them is often a difficult task. So our motivation is to provide a safer more personalized online web browsing experience for users. As such the purpose of this project is to design the underlying classification model that would predict the phobia within images</a:t>
-            </a:r>
-            <a:endParaRPr/>
+            <a:endParaRPr dirty="0"/>
           </a:p>
         </p:txBody>
       </p:sp>
@@ -1023,11 +1019,7 @@
               </a:spcAft>
               <a:buNone/>
             </a:pPr>
-            <a:r>
-              <a:rPr lang="en-GB"/>
-              <a:t>Now somebody with one of these phobias will not necessarily have all of the others, so in addition we have made a GUI that allows people to select which types of phobic content they would like to filter for. We also have another interface that tells you when an image has been blocked, what type of content has been detected, and with what confidence, and gives you the choice to view it anyway if you want.</a:t>
-            </a:r>
-            <a:endParaRPr/>
+            <a:endParaRPr dirty="0"/>
           </a:p>
         </p:txBody>
       </p:sp>
@@ -1131,27 +1123,7 @@
               </a:spcAft>
               <a:buNone/>
             </a:pPr>
-            <a:r>
-              <a:rPr lang="en-GB"/>
-              <a:t>Our data is sourced from online collections of images relating to different triggers. Each dataset had to be curated to remove noise. Some noise is generally caused by features of the websites, for example, bulk downloading may lead to accidentally including website logos or profile photos. Noise can also include non-triggering content tangentially related to the phobia; for example, collections relating to spiders will sometimes include photos of Spider-Man comics which do not themselves contain any triggering content.</a:t>
-            </a:r>
-            <a:endParaRPr/>
-          </a:p>
-          <a:p>
-            <a:pPr marL="0" lvl="0" indent="0" algn="l" rtl="0">
-              <a:spcBef>
-                <a:spcPts val="0"/>
-              </a:spcBef>
-              <a:spcAft>
-                <a:spcPts val="0"/>
-              </a:spcAft>
-              <a:buNone/>
-            </a:pPr>
-            <a:r>
-              <a:rPr lang="en-GB"/>
-              <a:t>Our model relies on the simplifying assumption that an image can only trigger one phobia; it would need some modification to handle images which contain more than one type of triggering content.</a:t>
-            </a:r>
-            <a:endParaRPr/>
+            <a:endParaRPr dirty="0"/>
           </a:p>
         </p:txBody>
       </p:sp>
@@ -1255,27 +1227,7 @@
               </a:spcAft>
               <a:buNone/>
             </a:pPr>
-            <a:r>
-              <a:rPr lang="en-GB"/>
-              <a:t>Our data is sourced from online collections of images relating to different triggers. Each dataset had to be curated to remove noise. Some noise is generally caused by features of the websites, for example, bulk downloading may lead to accidentally including website logos or profile photos. Noise can also include non-triggering content tangentially related to the phobia; for example, collections relating to spiders will sometimes include photos of Spider-Man comics which do not themselves contain any triggering content.</a:t>
-            </a:r>
-            <a:endParaRPr/>
-          </a:p>
-          <a:p>
-            <a:pPr marL="0" lvl="0" indent="0" algn="l" rtl="0">
-              <a:spcBef>
-                <a:spcPts val="0"/>
-              </a:spcBef>
-              <a:spcAft>
-                <a:spcPts val="0"/>
-              </a:spcAft>
-              <a:buNone/>
-            </a:pPr>
-            <a:r>
-              <a:rPr lang="en-GB"/>
-              <a:t>Our model relies on the simplifying assumption that an image can only trigger one phobia; it would need some modification to handle images which contain more than one type of triggering content.</a:t>
-            </a:r>
-            <a:endParaRPr/>
+            <a:endParaRPr dirty="0"/>
           </a:p>
         </p:txBody>
       </p:sp>

--- a/presentation.pptx
+++ b/presentation.pptx
@@ -915,7 +915,11 @@
               </a:spcAft>
               <a:buNone/>
             </a:pPr>
-            <a:endParaRPr dirty="0"/>
+            <a:r>
+              <a:rPr lang="en-GB"/>
+              <a:t>Motivation: on social media, billions of pictures are shared every day. And due to the volume of photos, filtering them is often a difficult task. So our motivation is to provide a safer more personalized online web browsing experience for users. As such the purpose of this project is to design the underlying classification model that would predict the phobia within images</a:t>
+            </a:r>
+            <a:endParaRPr/>
           </a:p>
         </p:txBody>
       </p:sp>
@@ -1019,7 +1023,11 @@
               </a:spcAft>
               <a:buNone/>
             </a:pPr>
-            <a:endParaRPr dirty="0"/>
+            <a:r>
+              <a:rPr lang="en-GB"/>
+              <a:t>Now somebody with one of these phobias will not necessarily have all of the others, so in addition we have made a GUI that allows people to select which types of phobic content they would like to filter for. We also have another interface that tells you when an image has been blocked, what type of content has been detected, and with what confidence, and gives you the choice to view it anyway if you want.</a:t>
+            </a:r>
+            <a:endParaRPr/>
           </a:p>
         </p:txBody>
       </p:sp>
@@ -1123,7 +1131,27 @@
               </a:spcAft>
               <a:buNone/>
             </a:pPr>
-            <a:endParaRPr dirty="0"/>
+            <a:r>
+              <a:rPr lang="en-GB"/>
+              <a:t>Our data is sourced from online collections of images relating to different triggers. Each dataset had to be curated to remove noise. Some noise is generally caused by features of the websites, for example, bulk downloading may lead to accidentally including website logos or profile photos. Noise can also include non-triggering content tangentially related to the phobia; for example, collections relating to spiders will sometimes include photos of Spider-Man comics which do not themselves contain any triggering content.</a:t>
+            </a:r>
+            <a:endParaRPr/>
+          </a:p>
+          <a:p>
+            <a:pPr marL="0" lvl="0" indent="0" algn="l" rtl="0">
+              <a:spcBef>
+                <a:spcPts val="0"/>
+              </a:spcBef>
+              <a:spcAft>
+                <a:spcPts val="0"/>
+              </a:spcAft>
+              <a:buNone/>
+            </a:pPr>
+            <a:r>
+              <a:rPr lang="en-GB"/>
+              <a:t>Our model relies on the simplifying assumption that an image can only trigger one phobia; it would need some modification to handle images which contain more than one type of triggering content.</a:t>
+            </a:r>
+            <a:endParaRPr/>
           </a:p>
         </p:txBody>
       </p:sp>
@@ -1227,7 +1255,27 @@
               </a:spcAft>
               <a:buNone/>
             </a:pPr>
-            <a:endParaRPr dirty="0"/>
+            <a:r>
+              <a:rPr lang="en-GB"/>
+              <a:t>Our data is sourced from online collections of images relating to different triggers. Each dataset had to be curated to remove noise. Some noise is generally caused by features of the websites, for example, bulk downloading may lead to accidentally including website logos or profile photos. Noise can also include non-triggering content tangentially related to the phobia; for example, collections relating to spiders will sometimes include photos of Spider-Man comics which do not themselves contain any triggering content.</a:t>
+            </a:r>
+            <a:endParaRPr/>
+          </a:p>
+          <a:p>
+            <a:pPr marL="0" lvl="0" indent="0" algn="l" rtl="0">
+              <a:spcBef>
+                <a:spcPts val="0"/>
+              </a:spcBef>
+              <a:spcAft>
+                <a:spcPts val="0"/>
+              </a:spcAft>
+              <a:buNone/>
+            </a:pPr>
+            <a:r>
+              <a:rPr lang="en-GB"/>
+              <a:t>Our model relies on the simplifying assumption that an image can only trigger one phobia; it would need some modification to handle images which contain more than one type of triggering content.</a:t>
+            </a:r>
+            <a:endParaRPr/>
           </a:p>
         </p:txBody>
       </p:sp>
